--- a/S7.pptx
+++ b/S7.pptx
@@ -4434,8 +4434,8 @@
         </p:nvSpPr>
         <p:spPr>
           <a:xfrm>
-            <a:off x="1320945" y="1796434"/>
-            <a:ext cx="7345139" cy="513051"/>
+            <a:off x="1038965" y="1796434"/>
+            <a:ext cx="7627119" cy="513051"/>
           </a:xfrm>
           <a:prstGeom prst="rect">
             <a:avLst/>
@@ -4464,7 +4464,7 @@
               </a:defRPr>
             </a:pPr>
             <a:r>
-              <a:t>Модель на тестовых данных показала точность 70%</a:t>
+              <a:t>Модель на тестовых данных показала точность 73.8%</a:t>
             </a:r>
           </a:p>
         </p:txBody>
